--- a/weigang/part-1-intro-unix.pptx
+++ b/weigang/part-1-intro-unix.pptx
@@ -5,7 +5,7 @@
     <p:sldMasterId id="2147483696" r:id="rId4"/>
   </p:sldMasterIdLst>
   <p:notesMasterIdLst>
-    <p:notesMasterId r:id="rId17"/>
+    <p:notesMasterId r:id="rId18"/>
   </p:notesMasterIdLst>
   <p:sldIdLst>
     <p:sldId id="306" r:id="rId5"/>
@@ -19,7 +19,8 @@
     <p:sldId id="315" r:id="rId13"/>
     <p:sldId id="316" r:id="rId14"/>
     <p:sldId id="317" r:id="rId15"/>
-    <p:sldId id="318" r:id="rId16"/>
+    <p:sldId id="319" r:id="rId16"/>
+    <p:sldId id="318" r:id="rId17"/>
   </p:sldIdLst>
   <p:sldSz cx="12192000" cy="6858000"/>
   <p:notesSz cx="6858000" cy="9144000"/>
@@ -230,7 +231,7 @@
           <a:p>
             <a:fld id="{5EA28068-AFBD-4979-B752-9EB6F90B1386}" type="datetimeFigureOut">
               <a:rPr lang="en-US" smtClean="0"/>
-              <a:t>1/29/2023</a:t>
+              <a:t>1/30/2023</a:t>
             </a:fld>
             <a:endParaRPr lang="en-US" dirty="0"/>
           </a:p>
@@ -14234,7 +14235,7 @@
           <p:cNvPr id="2" name="Title 1">
             <a:extLst>
               <a:ext uri="{FF2B5EF4-FFF2-40B4-BE49-F238E27FC236}">
-                <a16:creationId xmlns:a16="http://schemas.microsoft.com/office/drawing/2014/main" id="{FFCEA44B-D6D7-2054-3E1F-B432252EC810}"/>
+                <a16:creationId xmlns:a16="http://schemas.microsoft.com/office/drawing/2014/main" id="{21070CFA-E8A5-F70F-0433-B0BC2FE3DFDC}"/>
               </a:ext>
             </a:extLst>
           </p:cNvPr>
@@ -14245,7 +14246,547 @@
             <p:ph type="title"/>
           </p:nvPr>
         </p:nvSpPr>
+        <p:spPr>
+          <a:xfrm>
+            <a:off x="838200" y="365125"/>
+            <a:ext cx="10823532" cy="1325563"/>
+          </a:xfrm>
+        </p:spPr>
+        <p:txBody>
+          <a:bodyPr>
+            <a:normAutofit/>
+          </a:bodyPr>
+          <a:lstStyle/>
+          <a:p>
+            <a:r>
+              <a:rPr lang="en-US" sz="4000" dirty="0"/>
+              <a:t>Build a (Complex) Unix Command</a:t>
+            </a:r>
+          </a:p>
+        </p:txBody>
+      </p:sp>
+      <p:sp>
+        <p:nvSpPr>
+          <p:cNvPr id="5" name="Slide Number Placeholder 4">
+            <a:extLst>
+              <a:ext uri="{FF2B5EF4-FFF2-40B4-BE49-F238E27FC236}">
+                <a16:creationId xmlns:a16="http://schemas.microsoft.com/office/drawing/2014/main" id="{EF8EB0A5-31A7-1EFA-589B-B4112A89CFF9}"/>
+              </a:ext>
+            </a:extLst>
+          </p:cNvPr>
+          <p:cNvSpPr>
+            <a:spLocks noGrp="1"/>
+          </p:cNvSpPr>
+          <p:nvPr>
+            <p:ph type="sldNum" sz="quarter" idx="12"/>
+          </p:nvPr>
+        </p:nvSpPr>
         <p:spPr/>
+        <p:txBody>
+          <a:bodyPr/>
+          <a:lstStyle/>
+          <a:p>
+            <a:fld id="{D8DA9DAA-006C-4F4B-980E-E3DF019B24E2}" type="slidenum">
+              <a:rPr lang="en-US" smtClean="0"/>
+              <a:t>12</a:t>
+            </a:fld>
+            <a:endParaRPr lang="en-US" dirty="0"/>
+          </a:p>
+        </p:txBody>
+      </p:sp>
+      <p:sp>
+        <p:nvSpPr>
+          <p:cNvPr id="7" name="TextBox 6">
+            <a:extLst>
+              <a:ext uri="{FF2B5EF4-FFF2-40B4-BE49-F238E27FC236}">
+                <a16:creationId xmlns:a16="http://schemas.microsoft.com/office/drawing/2014/main" id="{43628725-986C-2769-50D2-9227819BC882}"/>
+              </a:ext>
+            </a:extLst>
+          </p:cNvPr>
+          <p:cNvSpPr txBox="1"/>
+          <p:nvPr/>
+        </p:nvSpPr>
+        <p:spPr>
+          <a:xfrm>
+            <a:off x="838200" y="1490255"/>
+            <a:ext cx="11086578" cy="4401205"/>
+          </a:xfrm>
+          <a:prstGeom prst="rect">
+            <a:avLst/>
+          </a:prstGeom>
+          <a:noFill/>
+        </p:spPr>
+        <p:txBody>
+          <a:bodyPr wrap="square">
+            <a:spAutoFit/>
+          </a:bodyPr>
+          <a:lstStyle/>
+          <a:p>
+            <a:r>
+              <a:rPr lang="en-US" sz="2000" dirty="0">
+                <a:solidFill>
+                  <a:srgbClr val="00B050"/>
+                </a:solidFill>
+                <a:latin typeface="Courier New" panose="02070309020205020404" pitchFamily="49" charset="0"/>
+                <a:cs typeface="Courier New" panose="02070309020205020404" pitchFamily="49" charset="0"/>
+              </a:rPr>
+              <a:t># The following command identifies modified CpG bases from sequencing reads (FAST4 format) obtained using Nanopore technology</a:t>
+            </a:r>
+          </a:p>
+          <a:p>
+            <a:endParaRPr lang="en-US" sz="2000" dirty="0">
+              <a:latin typeface="Courier New" panose="02070309020205020404" pitchFamily="49" charset="0"/>
+              <a:cs typeface="Courier New" panose="02070309020205020404" pitchFamily="49" charset="0"/>
+            </a:endParaRPr>
+          </a:p>
+          <a:p>
+            <a:r>
+              <a:rPr lang="en-US" sz="2000" dirty="0">
+                <a:latin typeface="Courier New" panose="02070309020205020404" pitchFamily="49" charset="0"/>
+                <a:cs typeface="Courier New" panose="02070309020205020404" pitchFamily="49" charset="0"/>
+              </a:rPr>
+              <a:t>./</a:t>
+            </a:r>
+            <a:r>
+              <a:rPr lang="en-US" sz="2000" dirty="0" err="1">
+                <a:latin typeface="Courier New" panose="02070309020205020404" pitchFamily="49" charset="0"/>
+                <a:cs typeface="Courier New" panose="02070309020205020404" pitchFamily="49" charset="0"/>
+              </a:rPr>
+              <a:t>ont</a:t>
+            </a:r>
+            <a:r>
+              <a:rPr lang="en-US" sz="2000" dirty="0">
+                <a:latin typeface="Courier New" panose="02070309020205020404" pitchFamily="49" charset="0"/>
+                <a:cs typeface="Courier New" panose="02070309020205020404" pitchFamily="49" charset="0"/>
+              </a:rPr>
+              <a:t>-guppy/bin/</a:t>
+            </a:r>
+            <a:r>
+              <a:rPr lang="en-US" sz="2000" dirty="0" err="1">
+                <a:latin typeface="Courier New" panose="02070309020205020404" pitchFamily="49" charset="0"/>
+                <a:cs typeface="Courier New" panose="02070309020205020404" pitchFamily="49" charset="0"/>
+              </a:rPr>
+              <a:t>guppy_basecaller</a:t>
+            </a:r>
+            <a:r>
+              <a:rPr lang="en-US" sz="2000" dirty="0">
+                <a:latin typeface="Courier New" panose="02070309020205020404" pitchFamily="49" charset="0"/>
+                <a:cs typeface="Courier New" panose="02070309020205020404" pitchFamily="49" charset="0"/>
+              </a:rPr>
+              <a:t> 	</a:t>
+            </a:r>
+            <a:r>
+              <a:rPr lang="en-US" sz="2000" dirty="0">
+                <a:solidFill>
+                  <a:srgbClr val="00B050"/>
+                </a:solidFill>
+                <a:latin typeface="Courier New" panose="02070309020205020404" pitchFamily="49" charset="0"/>
+                <a:cs typeface="Courier New" panose="02070309020205020404" pitchFamily="49" charset="0"/>
+              </a:rPr>
+              <a:t># program (with path)</a:t>
+            </a:r>
+          </a:p>
+          <a:p>
+            <a:r>
+              <a:rPr lang="en-US" sz="2000" dirty="0">
+                <a:latin typeface="Courier New" panose="02070309020205020404" pitchFamily="49" charset="0"/>
+                <a:cs typeface="Courier New" panose="02070309020205020404" pitchFamily="49" charset="0"/>
+              </a:rPr>
+              <a:t>-</a:t>
+            </a:r>
+            <a:r>
+              <a:rPr lang="en-US" sz="2000" dirty="0" err="1">
+                <a:latin typeface="Courier New" panose="02070309020205020404" pitchFamily="49" charset="0"/>
+                <a:cs typeface="Courier New" panose="02070309020205020404" pitchFamily="49" charset="0"/>
+              </a:rPr>
+              <a:t>i</a:t>
+            </a:r>
+            <a:r>
+              <a:rPr lang="en-US" sz="2000" dirty="0">
+                <a:latin typeface="Courier New" panose="02070309020205020404" pitchFamily="49" charset="0"/>
+                <a:cs typeface="Courier New" panose="02070309020205020404" pitchFamily="49" charset="0"/>
+              </a:rPr>
+              <a:t> </a:t>
+            </a:r>
+            <a:r>
+              <a:rPr lang="en-US" sz="2000" dirty="0" err="1">
+                <a:latin typeface="Courier New" panose="02070309020205020404" pitchFamily="49" charset="0"/>
+                <a:cs typeface="Courier New" panose="02070309020205020404" pitchFamily="49" charset="0"/>
+              </a:rPr>
+              <a:t>Haplochromis_genome</a:t>
+            </a:r>
+            <a:r>
+              <a:rPr lang="en-US" sz="2000" dirty="0">
+                <a:latin typeface="Courier New" panose="02070309020205020404" pitchFamily="49" charset="0"/>
+                <a:cs typeface="Courier New" panose="02070309020205020404" pitchFamily="49" charset="0"/>
+              </a:rPr>
+              <a:t>/fast5 		</a:t>
+            </a:r>
+            <a:r>
+              <a:rPr lang="en-US" sz="2000" dirty="0">
+                <a:solidFill>
+                  <a:srgbClr val="00B050"/>
+                </a:solidFill>
+                <a:latin typeface="Courier New" panose="02070309020205020404" pitchFamily="49" charset="0"/>
+                <a:cs typeface="Courier New" panose="02070309020205020404" pitchFamily="49" charset="0"/>
+              </a:rPr>
+              <a:t># input folder</a:t>
+            </a:r>
+          </a:p>
+          <a:p>
+            <a:r>
+              <a:rPr lang="en-US" sz="2000" dirty="0">
+                <a:latin typeface="Courier New" panose="02070309020205020404" pitchFamily="49" charset="0"/>
+                <a:cs typeface="Courier New" panose="02070309020205020404" pitchFamily="49" charset="0"/>
+              </a:rPr>
+              <a:t>-s </a:t>
+            </a:r>
+            <a:r>
+              <a:rPr lang="en-US" sz="2000" dirty="0" err="1">
+                <a:latin typeface="Courier New" panose="02070309020205020404" pitchFamily="49" charset="0"/>
+                <a:cs typeface="Courier New" panose="02070309020205020404" pitchFamily="49" charset="0"/>
+              </a:rPr>
+              <a:t>mod_out</a:t>
+            </a:r>
+            <a:r>
+              <a:rPr lang="en-US" sz="2000" dirty="0">
+                <a:latin typeface="Courier New" panose="02070309020205020404" pitchFamily="49" charset="0"/>
+                <a:cs typeface="Courier New" panose="02070309020205020404" pitchFamily="49" charset="0"/>
+              </a:rPr>
+              <a:t>					</a:t>
+            </a:r>
+            <a:r>
+              <a:rPr lang="en-US" sz="2000" dirty="0">
+                <a:solidFill>
+                  <a:srgbClr val="00B050"/>
+                </a:solidFill>
+                <a:latin typeface="Courier New" panose="02070309020205020404" pitchFamily="49" charset="0"/>
+                <a:cs typeface="Courier New" panose="02070309020205020404" pitchFamily="49" charset="0"/>
+              </a:rPr>
+              <a:t># output folder</a:t>
+            </a:r>
+          </a:p>
+          <a:p>
+            <a:r>
+              <a:rPr lang="en-US" sz="2000" dirty="0">
+                <a:latin typeface="Courier New" panose="02070309020205020404" pitchFamily="49" charset="0"/>
+                <a:cs typeface="Courier New" panose="02070309020205020404" pitchFamily="49" charset="0"/>
+              </a:rPr>
+              <a:t>-c </a:t>
+            </a:r>
+            <a:r>
+              <a:rPr lang="en-US" sz="2000" dirty="0" err="1">
+                <a:latin typeface="Courier New" panose="02070309020205020404" pitchFamily="49" charset="0"/>
+                <a:cs typeface="Courier New" panose="02070309020205020404" pitchFamily="49" charset="0"/>
+              </a:rPr>
+              <a:t>ont</a:t>
+            </a:r>
+            <a:r>
+              <a:rPr lang="en-US" sz="2000" dirty="0">
+                <a:latin typeface="Courier New" panose="02070309020205020404" pitchFamily="49" charset="0"/>
+                <a:cs typeface="Courier New" panose="02070309020205020404" pitchFamily="49" charset="0"/>
+              </a:rPr>
+              <a:t>-guppy/data/dna_r9.4.1_450bps_modbases_5mc_hac.cfg </a:t>
+            </a:r>
+          </a:p>
+          <a:p>
+            <a:r>
+              <a:rPr lang="en-US" sz="2000" dirty="0">
+                <a:latin typeface="Courier New" panose="02070309020205020404" pitchFamily="49" charset="0"/>
+                <a:cs typeface="Courier New" panose="02070309020205020404" pitchFamily="49" charset="0"/>
+              </a:rPr>
+              <a:t>				</a:t>
+            </a:r>
+            <a:r>
+              <a:rPr lang="en-US" sz="2000" dirty="0">
+                <a:solidFill>
+                  <a:srgbClr val="00B050"/>
+                </a:solidFill>
+                <a:latin typeface="Courier New" panose="02070309020205020404" pitchFamily="49" charset="0"/>
+                <a:cs typeface="Courier New" panose="02070309020205020404" pitchFamily="49" charset="0"/>
+              </a:rPr>
+              <a:t># configuration file specifying CpG model</a:t>
+            </a:r>
+          </a:p>
+          <a:p>
+            <a:r>
+              <a:rPr lang="en-US" sz="2000" dirty="0">
+                <a:latin typeface="Courier New" panose="02070309020205020404" pitchFamily="49" charset="0"/>
+                <a:cs typeface="Courier New" panose="02070309020205020404" pitchFamily="49" charset="0"/>
+              </a:rPr>
+              <a:t>-x '</a:t>
+            </a:r>
+            <a:r>
+              <a:rPr lang="en-US" sz="2000" dirty="0" err="1">
+                <a:latin typeface="Courier New" panose="02070309020205020404" pitchFamily="49" charset="0"/>
+                <a:cs typeface="Courier New" panose="02070309020205020404" pitchFamily="49" charset="0"/>
+              </a:rPr>
+              <a:t>cuda:all</a:t>
+            </a:r>
+            <a:r>
+              <a:rPr lang="en-US" sz="2000" dirty="0">
+                <a:latin typeface="Courier New" panose="02070309020205020404" pitchFamily="49" charset="0"/>
+                <a:cs typeface="Courier New" panose="02070309020205020404" pitchFamily="49" charset="0"/>
+              </a:rPr>
+              <a:t>’		</a:t>
+            </a:r>
+            <a:r>
+              <a:rPr lang="en-US" sz="2000" dirty="0">
+                <a:solidFill>
+                  <a:srgbClr val="00B050"/>
+                </a:solidFill>
+                <a:latin typeface="Courier New" panose="02070309020205020404" pitchFamily="49" charset="0"/>
+                <a:cs typeface="Courier New" panose="02070309020205020404" pitchFamily="49" charset="0"/>
+              </a:rPr>
+              <a:t># use GPUs (instead of CPUs)</a:t>
+            </a:r>
+          </a:p>
+          <a:p>
+            <a:r>
+              <a:rPr lang="en-US" sz="2000" dirty="0">
+                <a:latin typeface="Courier New" panose="02070309020205020404" pitchFamily="49" charset="0"/>
+                <a:cs typeface="Courier New" panose="02070309020205020404" pitchFamily="49" charset="0"/>
+              </a:rPr>
+              <a:t>--</a:t>
+            </a:r>
+            <a:r>
+              <a:rPr lang="en-US" sz="2000" dirty="0" err="1">
+                <a:latin typeface="Courier New" panose="02070309020205020404" pitchFamily="49" charset="0"/>
+                <a:cs typeface="Courier New" panose="02070309020205020404" pitchFamily="49" charset="0"/>
+              </a:rPr>
+              <a:t>bam_out</a:t>
+            </a:r>
+            <a:r>
+              <a:rPr lang="en-US" sz="2000" dirty="0">
+                <a:latin typeface="Courier New" panose="02070309020205020404" pitchFamily="49" charset="0"/>
+                <a:cs typeface="Courier New" panose="02070309020205020404" pitchFamily="49" charset="0"/>
+              </a:rPr>
+              <a:t> 			</a:t>
+            </a:r>
+            <a:r>
+              <a:rPr lang="en-US" sz="2000" dirty="0">
+                <a:solidFill>
+                  <a:srgbClr val="00B050"/>
+                </a:solidFill>
+                <a:latin typeface="Courier New" panose="02070309020205020404" pitchFamily="49" charset="0"/>
+                <a:cs typeface="Courier New" panose="02070309020205020404" pitchFamily="49" charset="0"/>
+              </a:rPr>
+              <a:t># output in BAM format</a:t>
+            </a:r>
+          </a:p>
+          <a:p>
+            <a:r>
+              <a:rPr lang="en-US" sz="2000" dirty="0">
+                <a:latin typeface="Courier New" panose="02070309020205020404" pitchFamily="49" charset="0"/>
+                <a:cs typeface="Courier New" panose="02070309020205020404" pitchFamily="49" charset="0"/>
+              </a:rPr>
+              <a:t>--compress			</a:t>
+            </a:r>
+            <a:r>
+              <a:rPr lang="en-US" sz="2000" dirty="0">
+                <a:solidFill>
+                  <a:srgbClr val="00B050"/>
+                </a:solidFill>
+                <a:latin typeface="Courier New" panose="02070309020205020404" pitchFamily="49" charset="0"/>
+                <a:cs typeface="Courier New" panose="02070309020205020404" pitchFamily="49" charset="0"/>
+              </a:rPr>
+              <a:t># compress the output BAM files</a:t>
+            </a:r>
+          </a:p>
+          <a:p>
+            <a:r>
+              <a:rPr lang="en-US" sz="2000" dirty="0">
+                <a:latin typeface="Courier New" panose="02070309020205020404" pitchFamily="49" charset="0"/>
+                <a:cs typeface="Courier New" panose="02070309020205020404" pitchFamily="49" charset="0"/>
+              </a:rPr>
+              <a:t>--</a:t>
+            </a:r>
+            <a:r>
+              <a:rPr lang="en-US" sz="2000" dirty="0" err="1">
+                <a:latin typeface="Courier New" panose="02070309020205020404" pitchFamily="49" charset="0"/>
+                <a:cs typeface="Courier New" panose="02070309020205020404" pitchFamily="49" charset="0"/>
+              </a:rPr>
+              <a:t>align_ref</a:t>
+            </a:r>
+            <a:r>
+              <a:rPr lang="en-US" sz="2000" dirty="0">
+                <a:latin typeface="Courier New" panose="02070309020205020404" pitchFamily="49" charset="0"/>
+                <a:cs typeface="Courier New" panose="02070309020205020404" pitchFamily="49" charset="0"/>
+              </a:rPr>
+              <a:t> </a:t>
+            </a:r>
+            <a:r>
+              <a:rPr lang="en-US" sz="2000" dirty="0" err="1">
+                <a:latin typeface="Courier New" panose="02070309020205020404" pitchFamily="49" charset="0"/>
+                <a:cs typeface="Courier New" panose="02070309020205020404" pitchFamily="49" charset="0"/>
+              </a:rPr>
+              <a:t>Haplochromis_genome</a:t>
+            </a:r>
+            <a:r>
+              <a:rPr lang="en-US" sz="2000" dirty="0">
+                <a:latin typeface="Courier New" panose="02070309020205020404" pitchFamily="49" charset="0"/>
+                <a:cs typeface="Courier New" panose="02070309020205020404" pitchFamily="49" charset="0"/>
+              </a:rPr>
+              <a:t>/GCF_018398535.1_NCSU_Asbu1_genomic.fna</a:t>
+            </a:r>
+          </a:p>
+          <a:p>
+            <a:r>
+              <a:rPr lang="en-US" sz="2000" dirty="0">
+                <a:latin typeface="Courier New" panose="02070309020205020404" pitchFamily="49" charset="0"/>
+                <a:cs typeface="Courier New" panose="02070309020205020404" pitchFamily="49" charset="0"/>
+              </a:rPr>
+              <a:t>				</a:t>
+            </a:r>
+            <a:r>
+              <a:rPr lang="en-US" sz="2000" dirty="0">
+                <a:solidFill>
+                  <a:srgbClr val="00B050"/>
+                </a:solidFill>
+                <a:latin typeface="Courier New" panose="02070309020205020404" pitchFamily="49" charset="0"/>
+                <a:cs typeface="Courier New" panose="02070309020205020404" pitchFamily="49" charset="0"/>
+              </a:rPr>
+              <a:t># reference genome (with path)</a:t>
+            </a:r>
+          </a:p>
+          <a:p>
+            <a:r>
+              <a:rPr lang="en-US" sz="2000" dirty="0">
+                <a:latin typeface="Courier New" panose="02070309020205020404" pitchFamily="49" charset="0"/>
+                <a:cs typeface="Courier New" panose="02070309020205020404" pitchFamily="49" charset="0"/>
+              </a:rPr>
+              <a:t>&amp;				</a:t>
+            </a:r>
+            <a:r>
+              <a:rPr lang="en-US" sz="2000" dirty="0">
+                <a:solidFill>
+                  <a:srgbClr val="00B050"/>
+                </a:solidFill>
+                <a:latin typeface="Courier New" panose="02070309020205020404" pitchFamily="49" charset="0"/>
+                <a:cs typeface="Courier New" panose="02070309020205020404" pitchFamily="49" charset="0"/>
+              </a:rPr>
+              <a:t># run in the background </a:t>
+            </a:r>
+          </a:p>
+        </p:txBody>
+      </p:sp>
+      <p:sp>
+        <p:nvSpPr>
+          <p:cNvPr id="9" name="TextBox 8">
+            <a:extLst>
+              <a:ext uri="{FF2B5EF4-FFF2-40B4-BE49-F238E27FC236}">
+                <a16:creationId xmlns:a16="http://schemas.microsoft.com/office/drawing/2014/main" id="{95C91E6D-4F8D-0363-D21A-319D929280C3}"/>
+              </a:ext>
+            </a:extLst>
+          </p:cNvPr>
+          <p:cNvSpPr txBox="1"/>
+          <p:nvPr/>
+        </p:nvSpPr>
+        <p:spPr>
+          <a:xfrm>
+            <a:off x="1452106" y="5846544"/>
+            <a:ext cx="9287788" cy="646331"/>
+          </a:xfrm>
+          <a:prstGeom prst="rect">
+            <a:avLst/>
+          </a:prstGeom>
+          <a:noFill/>
+        </p:spPr>
+        <p:txBody>
+          <a:bodyPr wrap="square">
+            <a:spAutoFit/>
+          </a:bodyPr>
+          <a:lstStyle/>
+          <a:p>
+            <a:pPr marL="342900" indent="-342900">
+              <a:buFont typeface="Arial" panose="020B0604020202020204" pitchFamily="34" charset="0"/>
+              <a:buChar char="•"/>
+            </a:pPr>
+            <a:r>
+              <a:rPr lang="en-US" sz="1800" b="1" dirty="0">
+                <a:highlight>
+                  <a:srgbClr val="FF0000"/>
+                </a:highlight>
+                <a:latin typeface="Courier New" panose="02070309020205020404" pitchFamily="49" charset="0"/>
+                <a:cs typeface="Courier New" panose="02070309020205020404" pitchFamily="49" charset="0"/>
+              </a:rPr>
+              <a:t>NEVER type out a full path or filename. Tab for auto completion</a:t>
+            </a:r>
+          </a:p>
+          <a:p>
+            <a:pPr marL="342900" indent="-342900">
+              <a:buFont typeface="Arial" panose="020B0604020202020204" pitchFamily="34" charset="0"/>
+              <a:buChar char="•"/>
+            </a:pPr>
+            <a:r>
+              <a:rPr lang="en-US" sz="1800" b="1" dirty="0">
+                <a:highlight>
+                  <a:srgbClr val="FF0000"/>
+                </a:highlight>
+                <a:latin typeface="Courier New" panose="02070309020205020404" pitchFamily="49" charset="0"/>
+                <a:cs typeface="Courier New" panose="02070309020205020404" pitchFamily="49" charset="0"/>
+              </a:rPr>
+              <a:t>NEVER retype a command. Arrow keys to retrieve command history</a:t>
+            </a:r>
+            <a:endParaRPr lang="en-US" sz="1800" dirty="0">
+              <a:latin typeface="Courier New" panose="02070309020205020404" pitchFamily="49" charset="0"/>
+              <a:cs typeface="Courier New" panose="02070309020205020404" pitchFamily="49" charset="0"/>
+            </a:endParaRPr>
+          </a:p>
+        </p:txBody>
+      </p:sp>
+    </p:spTree>
+    <p:extLst>
+      <p:ext uri="{BB962C8B-B14F-4D97-AF65-F5344CB8AC3E}">
+        <p14:creationId xmlns:p14="http://schemas.microsoft.com/office/powerpoint/2010/main" val="1832393031"/>
+      </p:ext>
+    </p:extLst>
+  </p:cSld>
+  <p:clrMapOvr>
+    <a:masterClrMapping/>
+  </p:clrMapOvr>
+</p:sld>
+</file>
+
+<file path=ppt/slides/slide13.xml><?xml version="1.0" encoding="utf-8"?>
+<p:sld xmlns:a="http://schemas.openxmlformats.org/drawingml/2006/main" xmlns:r="http://schemas.openxmlformats.org/officeDocument/2006/relationships" xmlns:p="http://schemas.openxmlformats.org/presentationml/2006/main">
+  <p:cSld>
+    <p:spTree>
+      <p:nvGrpSpPr>
+        <p:cNvPr id="1" name=""/>
+        <p:cNvGrpSpPr/>
+        <p:nvPr/>
+      </p:nvGrpSpPr>
+      <p:grpSpPr>
+        <a:xfrm>
+          <a:off x="0" y="0"/>
+          <a:ext cx="0" cy="0"/>
+          <a:chOff x="0" y="0"/>
+          <a:chExt cx="0" cy="0"/>
+        </a:xfrm>
+      </p:grpSpPr>
+      <p:sp>
+        <p:nvSpPr>
+          <p:cNvPr id="2" name="Title 1">
+            <a:extLst>
+              <a:ext uri="{FF2B5EF4-FFF2-40B4-BE49-F238E27FC236}">
+                <a16:creationId xmlns:a16="http://schemas.microsoft.com/office/drawing/2014/main" id="{FFCEA44B-D6D7-2054-3E1F-B432252EC810}"/>
+              </a:ext>
+            </a:extLst>
+          </p:cNvPr>
+          <p:cNvSpPr>
+            <a:spLocks noGrp="1"/>
+          </p:cNvSpPr>
+          <p:nvPr>
+            <p:ph type="title"/>
+          </p:nvPr>
+        </p:nvSpPr>
+        <p:spPr>
+          <a:xfrm>
+            <a:off x="576072" y="315021"/>
+            <a:ext cx="10771632" cy="1325563"/>
+          </a:xfrm>
+        </p:spPr>
         <p:txBody>
           <a:bodyPr/>
           <a:lstStyle/>
@@ -14273,7 +14814,12 @@
             <p:ph idx="1"/>
           </p:nvPr>
         </p:nvSpPr>
-        <p:spPr/>
+        <p:spPr>
+          <a:xfrm>
+            <a:off x="576072" y="1478071"/>
+            <a:ext cx="10771632" cy="4698892"/>
+          </a:xfrm>
+        </p:spPr>
         <p:txBody>
           <a:bodyPr>
             <a:normAutofit lnSpcReduction="10000"/>
@@ -14294,8 +14840,21 @@
           <a:p>
             <a:pPr lvl="1"/>
             <a:r>
+              <a:rPr lang="en-US" b="1" dirty="0">
+                <a:solidFill>
+                  <a:srgbClr val="FFFF00"/>
+                </a:solidFill>
+                <a:latin typeface="Courier New" panose="02070309020205020404" pitchFamily="49" charset="0"/>
+                <a:cs typeface="Courier New" panose="02070309020205020404" pitchFamily="49" charset="0"/>
+              </a:rPr>
+              <a:t>$ command [--options] [arguments]</a:t>
+            </a:r>
+          </a:p>
+          <a:p>
+            <a:pPr lvl="1"/>
+            <a:r>
               <a:rPr lang="en-US" dirty="0"/>
-              <a:t>Highly efficient (faster than Python)</a:t>
+              <a:t>High efficiency (faster than Python)</a:t>
             </a:r>
           </a:p>
           <a:p>
@@ -14400,7 +14959,7 @@
             <a:fld id="{D8DA9DAA-006C-4F4B-980E-E3DF019B24E2}" type="slidenum">
               <a:rPr lang="en-US" smtClean="0"/>
               <a:pPr/>
-              <a:t>12</a:t>
+              <a:t>13</a:t>
             </a:fld>
             <a:endParaRPr lang="en-US" dirty="0"/>
           </a:p>
@@ -23018,24 +23577,6 @@
 </file>
 
 <file path=customXml/item1.xml><?xml version="1.0" encoding="utf-8"?>
-<p:properties xmlns:p="http://schemas.microsoft.com/office/2006/metadata/properties" xmlns:xsi="http://www.w3.org/2001/XMLSchema-instance" xmlns:pc="http://schemas.microsoft.com/office/infopath/2007/PartnerControls">
-  <documentManagement>
-    <Status xmlns="71af3243-3dd4-4a8d-8c0d-dd76da1f02a5">Not started</Status>
-    <MediaServiceKeyPoints xmlns="71af3243-3dd4-4a8d-8c0d-dd76da1f02a5" xsi:nil="true"/>
-  </documentManagement>
-</p:properties>
-</file>
-
-<file path=customXml/item2.xml><?xml version="1.0" encoding="utf-8"?>
-<?mso-contentType ?>
-<FormTemplates xmlns="http://schemas.microsoft.com/sharepoint/v3/contenttype/forms">
-  <Display>DocumentLibraryForm</Display>
-  <Edit>DocumentLibraryForm</Edit>
-  <New>DocumentLibraryForm</New>
-</FormTemplates>
-</file>
-
-<file path=customXml/item3.xml><?xml version="1.0" encoding="utf-8"?>
 <ct:contentTypeSchema xmlns:ct="http://schemas.microsoft.com/office/2006/metadata/contentType" xmlns:ma="http://schemas.microsoft.com/office/2006/metadata/properties/metaAttributes" ct:_="" ma:_="" ma:contentTypeName="Document" ma:contentTypeID="0x01010079F111ED35F8CC479449609E8A0923A6" ma:contentTypeVersion="12" ma:contentTypeDescription="Create a new document." ma:contentTypeScope="" ma:versionID="426e97fa315356fffbdcd9876fe988c2">
   <xsd:schema xmlns:xsd="http://www.w3.org/2001/XMLSchema" xmlns:xs="http://www.w3.org/2001/XMLSchema" xmlns:p="http://schemas.microsoft.com/office/2006/metadata/properties" xmlns:ns2="71af3243-3dd4-4a8d-8c0d-dd76da1f02a5" xmlns:ns3="16c05727-aa75-4e4a-9b5f-8a80a1165891" targetNamespace="http://schemas.microsoft.com/office/2006/metadata/properties" ma:root="true" ma:fieldsID="14b8f0def80e6d70ce3def20c90759ae" ns2:_="" ns3:_="">
     <xsd:import namespace="71af3243-3dd4-4a8d-8c0d-dd76da1f02a5"/>
@@ -23256,32 +23797,25 @@
 </ct:contentTypeSchema>
 </file>
 
-<file path=customXml/itemProps1.xml><?xml version="1.0" encoding="utf-8"?>
-<ds:datastoreItem xmlns:ds="http://schemas.openxmlformats.org/officeDocument/2006/customXml" ds:itemID="{99919F73-B6C2-4A43-95E2-833EC48925FE}">
-  <ds:schemaRefs>
-    <ds:schemaRef ds:uri="http://www.w3.org/XML/1998/namespace"/>
-    <ds:schemaRef ds:uri="http://schemas.microsoft.com/office/2006/metadata/properties"/>
-    <ds:schemaRef ds:uri="16c05727-aa75-4e4a-9b5f-8a80a1165891"/>
-    <ds:schemaRef ds:uri="http://purl.org/dc/terms/"/>
-    <ds:schemaRef ds:uri="71af3243-3dd4-4a8d-8c0d-dd76da1f02a5"/>
-    <ds:schemaRef ds:uri="http://schemas.microsoft.com/office/infopath/2007/PartnerControls"/>
-    <ds:schemaRef ds:uri="http://schemas.microsoft.com/office/2006/documentManagement/types"/>
-    <ds:schemaRef ds:uri="http://schemas.openxmlformats.org/package/2006/metadata/core-properties"/>
-    <ds:schemaRef ds:uri="http://purl.org/dc/dcmitype/"/>
-    <ds:schemaRef ds:uri="http://purl.org/dc/elements/1.1/"/>
-  </ds:schemaRefs>
-</ds:datastoreItem>
+<file path=customXml/item2.xml><?xml version="1.0" encoding="utf-8"?>
+<?mso-contentType ?>
+<FormTemplates xmlns="http://schemas.microsoft.com/sharepoint/v3/contenttype/forms">
+  <Display>DocumentLibraryForm</Display>
+  <Edit>DocumentLibraryForm</Edit>
+  <New>DocumentLibraryForm</New>
+</FormTemplates>
 </file>
 
-<file path=customXml/itemProps2.xml><?xml version="1.0" encoding="utf-8"?>
-<ds:datastoreItem xmlns:ds="http://schemas.openxmlformats.org/officeDocument/2006/customXml" ds:itemID="{3C8E00D1-8EA3-4E42-801D-0253E1EAFC21}">
-  <ds:schemaRefs>
-    <ds:schemaRef ds:uri="http://schemas.microsoft.com/sharepoint/v3/contenttype/forms"/>
-  </ds:schemaRefs>
-</ds:datastoreItem>
+<file path=customXml/item3.xml><?xml version="1.0" encoding="utf-8"?>
+<p:properties xmlns:p="http://schemas.microsoft.com/office/2006/metadata/properties" xmlns:xsi="http://www.w3.org/2001/XMLSchema-instance" xmlns:pc="http://schemas.microsoft.com/office/infopath/2007/PartnerControls">
+  <documentManagement>
+    <Status xmlns="71af3243-3dd4-4a8d-8c0d-dd76da1f02a5">Not started</Status>
+    <MediaServiceKeyPoints xmlns="71af3243-3dd4-4a8d-8c0d-dd76da1f02a5" xsi:nil="true"/>
+  </documentManagement>
+</p:properties>
 </file>
 
-<file path=customXml/itemProps3.xml><?xml version="1.0" encoding="utf-8"?>
+<file path=customXml/itemProps1.xml><?xml version="1.0" encoding="utf-8"?>
 <ds:datastoreItem xmlns:ds="http://schemas.openxmlformats.org/officeDocument/2006/customXml" ds:itemID="{ABC329F5-30EE-4BF7-AA2A-B837B51416B4}">
   <ds:schemaRefs>
     <ds:schemaRef ds:uri="http://schemas.microsoft.com/office/2006/metadata/contentType"/>
@@ -23298,4 +23832,29 @@
     <ds:schemaRef ds:uri="http://schemas.microsoft.com/internal/obd"/>
   </ds:schemaRefs>
 </ds:datastoreItem>
+</file>
+
+<file path=customXml/itemProps2.xml><?xml version="1.0" encoding="utf-8"?>
+<ds:datastoreItem xmlns:ds="http://schemas.openxmlformats.org/officeDocument/2006/customXml" ds:itemID="{3C8E00D1-8EA3-4E42-801D-0253E1EAFC21}">
+  <ds:schemaRefs>
+    <ds:schemaRef ds:uri="http://schemas.microsoft.com/sharepoint/v3/contenttype/forms"/>
+  </ds:schemaRefs>
+</ds:datastoreItem>
+</file>
+
+<file path=customXml/itemProps3.xml><?xml version="1.0" encoding="utf-8"?>
+<ds:datastoreItem xmlns:ds="http://schemas.openxmlformats.org/officeDocument/2006/customXml" ds:itemID="{99919F73-B6C2-4A43-95E2-833EC48925FE}">
+  <ds:schemaRefs>
+    <ds:schemaRef ds:uri="http://schemas.microsoft.com/office/2006/documentManagement/types"/>
+    <ds:schemaRef ds:uri="http://purl.org/dc/terms/"/>
+    <ds:schemaRef ds:uri="http://purl.org/dc/elements/1.1/"/>
+    <ds:schemaRef ds:uri="http://purl.org/dc/dcmitype/"/>
+    <ds:schemaRef ds:uri="http://schemas.openxmlformats.org/package/2006/metadata/core-properties"/>
+    <ds:schemaRef ds:uri="http://schemas.microsoft.com/office/2006/metadata/properties"/>
+    <ds:schemaRef ds:uri="http://www.w3.org/XML/1998/namespace"/>
+    <ds:schemaRef ds:uri="http://schemas.microsoft.com/office/infopath/2007/PartnerControls"/>
+    <ds:schemaRef ds:uri="16c05727-aa75-4e4a-9b5f-8a80a1165891"/>
+    <ds:schemaRef ds:uri="71af3243-3dd4-4a8d-8c0d-dd76da1f02a5"/>
+  </ds:schemaRefs>
+</ds:datastoreItem>
 </file>